--- a/SystemArchitect.pptx
+++ b/SystemArchitect.pptx
@@ -6,6 +6,7 @@
   </p:sldMasterIdLst>
   <p:sldIdLst>
     <p:sldId id="257" r:id="rId2"/>
+    <p:sldId id="258" r:id="rId3"/>
   </p:sldIdLst>
   <p:sldSz cx="12192000" cy="6858000"/>
   <p:notesSz cx="6858000" cy="9144000"/>
@@ -243,7 +244,7 @@
           <a:p>
             <a:fld id="{9BBBED00-C32B-41D7-B109-65CA1D34B530}" type="datetimeFigureOut">
               <a:rPr lang="en-US" smtClean="0"/>
-              <a:t>6/1/2015</a:t>
+              <a:t>6/9/2015</a:t>
             </a:fld>
             <a:endParaRPr lang="en-US"/>
           </a:p>
@@ -413,7 +414,7 @@
           <a:p>
             <a:fld id="{9BBBED00-C32B-41D7-B109-65CA1D34B530}" type="datetimeFigureOut">
               <a:rPr lang="en-US" smtClean="0"/>
-              <a:t>6/1/2015</a:t>
+              <a:t>6/9/2015</a:t>
             </a:fld>
             <a:endParaRPr lang="en-US"/>
           </a:p>
@@ -593,7 +594,7 @@
           <a:p>
             <a:fld id="{9BBBED00-C32B-41D7-B109-65CA1D34B530}" type="datetimeFigureOut">
               <a:rPr lang="en-US" smtClean="0"/>
-              <a:t>6/1/2015</a:t>
+              <a:t>6/9/2015</a:t>
             </a:fld>
             <a:endParaRPr lang="en-US"/>
           </a:p>
@@ -763,7 +764,7 @@
           <a:p>
             <a:fld id="{9BBBED00-C32B-41D7-B109-65CA1D34B530}" type="datetimeFigureOut">
               <a:rPr lang="en-US" smtClean="0"/>
-              <a:t>6/1/2015</a:t>
+              <a:t>6/9/2015</a:t>
             </a:fld>
             <a:endParaRPr lang="en-US"/>
           </a:p>
@@ -1009,7 +1010,7 @@
           <a:p>
             <a:fld id="{9BBBED00-C32B-41D7-B109-65CA1D34B530}" type="datetimeFigureOut">
               <a:rPr lang="en-US" smtClean="0"/>
-              <a:t>6/1/2015</a:t>
+              <a:t>6/9/2015</a:t>
             </a:fld>
             <a:endParaRPr lang="en-US"/>
           </a:p>
@@ -1241,7 +1242,7 @@
           <a:p>
             <a:fld id="{9BBBED00-C32B-41D7-B109-65CA1D34B530}" type="datetimeFigureOut">
               <a:rPr lang="en-US" smtClean="0"/>
-              <a:t>6/1/2015</a:t>
+              <a:t>6/9/2015</a:t>
             </a:fld>
             <a:endParaRPr lang="en-US"/>
           </a:p>
@@ -1608,7 +1609,7 @@
           <a:p>
             <a:fld id="{9BBBED00-C32B-41D7-B109-65CA1D34B530}" type="datetimeFigureOut">
               <a:rPr lang="en-US" smtClean="0"/>
-              <a:t>6/1/2015</a:t>
+              <a:t>6/9/2015</a:t>
             </a:fld>
             <a:endParaRPr lang="en-US"/>
           </a:p>
@@ -1726,7 +1727,7 @@
           <a:p>
             <a:fld id="{9BBBED00-C32B-41D7-B109-65CA1D34B530}" type="datetimeFigureOut">
               <a:rPr lang="en-US" smtClean="0"/>
-              <a:t>6/1/2015</a:t>
+              <a:t>6/9/2015</a:t>
             </a:fld>
             <a:endParaRPr lang="en-US"/>
           </a:p>
@@ -1821,7 +1822,7 @@
           <a:p>
             <a:fld id="{9BBBED00-C32B-41D7-B109-65CA1D34B530}" type="datetimeFigureOut">
               <a:rPr lang="en-US" smtClean="0"/>
-              <a:t>6/1/2015</a:t>
+              <a:t>6/9/2015</a:t>
             </a:fld>
             <a:endParaRPr lang="en-US"/>
           </a:p>
@@ -2098,7 +2099,7 @@
           <a:p>
             <a:fld id="{9BBBED00-C32B-41D7-B109-65CA1D34B530}" type="datetimeFigureOut">
               <a:rPr lang="en-US" smtClean="0"/>
-              <a:t>6/1/2015</a:t>
+              <a:t>6/9/2015</a:t>
             </a:fld>
             <a:endParaRPr lang="en-US"/>
           </a:p>
@@ -2351,7 +2352,7 @@
           <a:p>
             <a:fld id="{9BBBED00-C32B-41D7-B109-65CA1D34B530}" type="datetimeFigureOut">
               <a:rPr lang="en-US" smtClean="0"/>
-              <a:t>6/1/2015</a:t>
+              <a:t>6/9/2015</a:t>
             </a:fld>
             <a:endParaRPr lang="en-US"/>
           </a:p>
@@ -2564,7 +2565,7 @@
           <a:p>
             <a:fld id="{9BBBED00-C32B-41D7-B109-65CA1D34B530}" type="datetimeFigureOut">
               <a:rPr lang="en-US" smtClean="0"/>
-              <a:t>6/1/2015</a:t>
+              <a:t>6/9/2015</a:t>
             </a:fld>
             <a:endParaRPr lang="en-US"/>
           </a:p>
@@ -4179,6 +4180,1272 @@
 </p:sld>
 </file>
 
+<file path=ppt/slides/slide2.xml><?xml version="1.0" encoding="utf-8"?>
+<p:sld xmlns:a="http://schemas.openxmlformats.org/drawingml/2006/main" xmlns:r="http://schemas.openxmlformats.org/officeDocument/2006/relationships" xmlns:p="http://schemas.openxmlformats.org/presentationml/2006/main">
+  <p:cSld>
+    <p:spTree>
+      <p:nvGrpSpPr>
+        <p:cNvPr id="1" name=""/>
+        <p:cNvGrpSpPr/>
+        <p:nvPr/>
+      </p:nvGrpSpPr>
+      <p:grpSpPr>
+        <a:xfrm>
+          <a:off x="0" y="0"/>
+          <a:ext cx="0" cy="0"/>
+          <a:chOff x="0" y="0"/>
+          <a:chExt cx="0" cy="0"/>
+        </a:xfrm>
+      </p:grpSpPr>
+      <p:sp>
+        <p:nvSpPr>
+          <p:cNvPr id="2" name="Rounded Rectangle 1"/>
+          <p:cNvSpPr/>
+          <p:nvPr/>
+        </p:nvSpPr>
+        <p:spPr>
+          <a:xfrm>
+            <a:off x="3348508" y="450763"/>
+            <a:ext cx="1944710" cy="515154"/>
+          </a:xfrm>
+          <a:prstGeom prst="roundRect">
+            <a:avLst/>
+          </a:prstGeom>
+          <a:noFill/>
+        </p:spPr>
+        <p:style>
+          <a:lnRef idx="2">
+            <a:schemeClr val="accent1">
+              <a:shade val="50000"/>
+            </a:schemeClr>
+          </a:lnRef>
+          <a:fillRef idx="1">
+            <a:schemeClr val="accent1"/>
+          </a:fillRef>
+          <a:effectRef idx="0">
+            <a:schemeClr val="accent1"/>
+          </a:effectRef>
+          <a:fontRef idx="minor">
+            <a:schemeClr val="lt1"/>
+          </a:fontRef>
+        </p:style>
+        <p:txBody>
+          <a:bodyPr rtlCol="0" anchor="ctr"/>
+          <a:lstStyle/>
+          <a:p>
+            <a:pPr algn="ctr"/>
+            <a:r>
+              <a:rPr lang="en-US" dirty="0" smtClean="0">
+                <a:solidFill>
+                  <a:schemeClr val="tx1"/>
+                </a:solidFill>
+              </a:rPr>
+              <a:t>Raw Data</a:t>
+            </a:r>
+          </a:p>
+        </p:txBody>
+      </p:sp>
+      <p:sp>
+        <p:nvSpPr>
+          <p:cNvPr id="3" name="Rounded Rectangle 2"/>
+          <p:cNvSpPr/>
+          <p:nvPr/>
+        </p:nvSpPr>
+        <p:spPr>
+          <a:xfrm>
+            <a:off x="2895599" y="3386651"/>
+            <a:ext cx="8965843" cy="2734032"/>
+          </a:xfrm>
+          <a:prstGeom prst="roundRect">
+            <a:avLst/>
+          </a:prstGeom>
+          <a:noFill/>
+        </p:spPr>
+        <p:style>
+          <a:lnRef idx="2">
+            <a:schemeClr val="accent1">
+              <a:shade val="50000"/>
+            </a:schemeClr>
+          </a:lnRef>
+          <a:fillRef idx="1">
+            <a:schemeClr val="accent1"/>
+          </a:fillRef>
+          <a:effectRef idx="0">
+            <a:schemeClr val="accent1"/>
+          </a:effectRef>
+          <a:fontRef idx="minor">
+            <a:schemeClr val="lt1"/>
+          </a:fontRef>
+        </p:style>
+        <p:txBody>
+          <a:bodyPr rtlCol="0" anchor="ctr"/>
+          <a:lstStyle/>
+          <a:p>
+            <a:pPr algn="ctr"/>
+            <a:endParaRPr lang="en-US" dirty="0">
+              <a:solidFill>
+                <a:schemeClr val="tx1"/>
+              </a:solidFill>
+            </a:endParaRPr>
+          </a:p>
+        </p:txBody>
+      </p:sp>
+      <p:sp>
+        <p:nvSpPr>
+          <p:cNvPr id="4" name="Rounded Rectangle 3"/>
+          <p:cNvSpPr/>
+          <p:nvPr/>
+        </p:nvSpPr>
+        <p:spPr>
+          <a:xfrm>
+            <a:off x="3348508" y="2161507"/>
+            <a:ext cx="1944710" cy="568816"/>
+          </a:xfrm>
+          <a:prstGeom prst="roundRect">
+            <a:avLst/>
+          </a:prstGeom>
+          <a:noFill/>
+        </p:spPr>
+        <p:style>
+          <a:lnRef idx="2">
+            <a:schemeClr val="accent1">
+              <a:shade val="50000"/>
+            </a:schemeClr>
+          </a:lnRef>
+          <a:fillRef idx="1">
+            <a:schemeClr val="accent1"/>
+          </a:fillRef>
+          <a:effectRef idx="0">
+            <a:schemeClr val="accent1"/>
+          </a:effectRef>
+          <a:fontRef idx="minor">
+            <a:schemeClr val="lt1"/>
+          </a:fontRef>
+        </p:style>
+        <p:txBody>
+          <a:bodyPr rtlCol="0" anchor="ctr"/>
+          <a:lstStyle/>
+          <a:p>
+            <a:pPr algn="ctr"/>
+            <a:r>
+              <a:rPr lang="en-US" dirty="0" smtClean="0">
+                <a:solidFill>
+                  <a:schemeClr val="tx1"/>
+                </a:solidFill>
+              </a:rPr>
+              <a:t>Data Set</a:t>
+            </a:r>
+          </a:p>
+        </p:txBody>
+      </p:sp>
+      <p:cxnSp>
+        <p:nvCxnSpPr>
+          <p:cNvPr id="6" name="Straight Arrow Connector 5"/>
+          <p:cNvCxnSpPr>
+            <a:stCxn id="2" idx="2"/>
+            <a:endCxn id="4" idx="0"/>
+          </p:cNvCxnSpPr>
+          <p:nvPr/>
+        </p:nvCxnSpPr>
+        <p:spPr>
+          <a:xfrm>
+            <a:off x="4320863" y="965917"/>
+            <a:ext cx="0" cy="1195590"/>
+          </a:xfrm>
+          <a:prstGeom prst="straightConnector1">
+            <a:avLst/>
+          </a:prstGeom>
+          <a:ln w="38100">
+            <a:tailEnd type="triangle"/>
+          </a:ln>
+        </p:spPr>
+        <p:style>
+          <a:lnRef idx="1">
+            <a:schemeClr val="accent1"/>
+          </a:lnRef>
+          <a:fillRef idx="0">
+            <a:schemeClr val="accent1"/>
+          </a:fillRef>
+          <a:effectRef idx="0">
+            <a:schemeClr val="accent1"/>
+          </a:effectRef>
+          <a:fontRef idx="minor">
+            <a:schemeClr val="tx1"/>
+          </a:fontRef>
+        </p:style>
+      </p:cxnSp>
+      <p:sp>
+        <p:nvSpPr>
+          <p:cNvPr id="8" name="TextBox 7"/>
+          <p:cNvSpPr txBox="1"/>
+          <p:nvPr/>
+        </p:nvSpPr>
+        <p:spPr>
+          <a:xfrm>
+            <a:off x="4447455" y="1379046"/>
+            <a:ext cx="666273" cy="369332"/>
+          </a:xfrm>
+          <a:prstGeom prst="rect">
+            <a:avLst/>
+          </a:prstGeom>
+          <a:noFill/>
+        </p:spPr>
+        <p:txBody>
+          <a:bodyPr wrap="none" rtlCol="0">
+            <a:spAutoFit/>
+          </a:bodyPr>
+          <a:lstStyle/>
+          <a:p>
+            <a:r>
+              <a:rPr lang="en-US" dirty="0" smtClean="0"/>
+              <a:t>Filter</a:t>
+            </a:r>
+            <a:endParaRPr lang="en-US" dirty="0"/>
+          </a:p>
+        </p:txBody>
+      </p:sp>
+      <p:sp>
+        <p:nvSpPr>
+          <p:cNvPr id="9" name="Rounded Rectangle 8"/>
+          <p:cNvSpPr/>
+          <p:nvPr/>
+        </p:nvSpPr>
+        <p:spPr>
+          <a:xfrm>
+            <a:off x="160986" y="3807788"/>
+            <a:ext cx="1944710" cy="568816"/>
+          </a:xfrm>
+          <a:prstGeom prst="roundRect">
+            <a:avLst/>
+          </a:prstGeom>
+          <a:noFill/>
+        </p:spPr>
+        <p:style>
+          <a:lnRef idx="2">
+            <a:schemeClr val="accent1">
+              <a:shade val="50000"/>
+            </a:schemeClr>
+          </a:lnRef>
+          <a:fillRef idx="1">
+            <a:schemeClr val="accent1"/>
+          </a:fillRef>
+          <a:effectRef idx="0">
+            <a:schemeClr val="accent1"/>
+          </a:effectRef>
+          <a:fontRef idx="minor">
+            <a:schemeClr val="lt1"/>
+          </a:fontRef>
+        </p:style>
+        <p:txBody>
+          <a:bodyPr rtlCol="0" anchor="ctr"/>
+          <a:lstStyle/>
+          <a:p>
+            <a:pPr algn="ctr"/>
+            <a:r>
+              <a:rPr lang="en-US" dirty="0" smtClean="0">
+                <a:solidFill>
+                  <a:schemeClr val="tx1"/>
+                </a:solidFill>
+              </a:rPr>
+              <a:t>Person</a:t>
+            </a:r>
+          </a:p>
+        </p:txBody>
+      </p:sp>
+      <p:cxnSp>
+        <p:nvCxnSpPr>
+          <p:cNvPr id="11" name="Elbow Connector 10"/>
+          <p:cNvCxnSpPr>
+            <a:stCxn id="9" idx="0"/>
+          </p:cNvCxnSpPr>
+          <p:nvPr/>
+        </p:nvCxnSpPr>
+        <p:spPr>
+          <a:xfrm rot="5400000" flipH="1" flipV="1">
+            <a:off x="1552030" y="1128303"/>
+            <a:ext cx="2260797" cy="3098174"/>
+          </a:xfrm>
+          <a:prstGeom prst="bentConnector2">
+            <a:avLst/>
+          </a:prstGeom>
+          <a:ln w="38100">
+            <a:tailEnd type="triangle"/>
+          </a:ln>
+        </p:spPr>
+        <p:style>
+          <a:lnRef idx="1">
+            <a:schemeClr val="accent1"/>
+          </a:lnRef>
+          <a:fillRef idx="0">
+            <a:schemeClr val="accent1"/>
+          </a:fillRef>
+          <a:effectRef idx="0">
+            <a:schemeClr val="accent1"/>
+          </a:effectRef>
+          <a:fontRef idx="minor">
+            <a:schemeClr val="tx1"/>
+          </a:fontRef>
+        </p:style>
+      </p:cxnSp>
+      <p:sp>
+        <p:nvSpPr>
+          <p:cNvPr id="12" name="TextBox 11"/>
+          <p:cNvSpPr txBox="1"/>
+          <p:nvPr/>
+        </p:nvSpPr>
+        <p:spPr>
+          <a:xfrm>
+            <a:off x="1385431" y="1191092"/>
+            <a:ext cx="1834605" cy="369332"/>
+          </a:xfrm>
+          <a:prstGeom prst="rect">
+            <a:avLst/>
+          </a:prstGeom>
+          <a:noFill/>
+        </p:spPr>
+        <p:txBody>
+          <a:bodyPr wrap="none" rtlCol="0">
+            <a:spAutoFit/>
+          </a:bodyPr>
+          <a:lstStyle/>
+          <a:p>
+            <a:r>
+              <a:rPr lang="en-US" dirty="0" smtClean="0"/>
+              <a:t>Get dating option</a:t>
+            </a:r>
+            <a:endParaRPr lang="en-US" dirty="0"/>
+          </a:p>
+        </p:txBody>
+      </p:sp>
+      <p:sp>
+        <p:nvSpPr>
+          <p:cNvPr id="13" name="Rounded Rectangle 12"/>
+          <p:cNvSpPr/>
+          <p:nvPr/>
+        </p:nvSpPr>
+        <p:spPr>
+          <a:xfrm>
+            <a:off x="3348508" y="3777704"/>
+            <a:ext cx="1944710" cy="568816"/>
+          </a:xfrm>
+          <a:prstGeom prst="roundRect">
+            <a:avLst/>
+          </a:prstGeom>
+          <a:noFill/>
+        </p:spPr>
+        <p:style>
+          <a:lnRef idx="2">
+            <a:schemeClr val="accent1">
+              <a:shade val="50000"/>
+            </a:schemeClr>
+          </a:lnRef>
+          <a:fillRef idx="1">
+            <a:schemeClr val="accent1"/>
+          </a:fillRef>
+          <a:effectRef idx="0">
+            <a:schemeClr val="accent1"/>
+          </a:effectRef>
+          <a:fontRef idx="minor">
+            <a:schemeClr val="lt1"/>
+          </a:fontRef>
+        </p:style>
+        <p:txBody>
+          <a:bodyPr rtlCol="0" anchor="ctr"/>
+          <a:lstStyle/>
+          <a:p>
+            <a:pPr algn="ctr"/>
+            <a:r>
+              <a:rPr lang="en-US" dirty="0" smtClean="0">
+                <a:solidFill>
+                  <a:schemeClr val="tx1"/>
+                </a:solidFill>
+              </a:rPr>
+              <a:t>Data set’s</a:t>
+            </a:r>
+            <a:r>
+              <a:rPr lang="en-US" dirty="0">
+                <a:solidFill>
+                  <a:schemeClr val="tx1"/>
+                </a:solidFill>
+              </a:rPr>
+              <a:t> person</a:t>
+            </a:r>
+            <a:endParaRPr lang="en-US" dirty="0" smtClean="0">
+              <a:solidFill>
+                <a:schemeClr val="tx1"/>
+              </a:solidFill>
+            </a:endParaRPr>
+          </a:p>
+        </p:txBody>
+      </p:sp>
+      <p:sp>
+        <p:nvSpPr>
+          <p:cNvPr id="14" name="TextBox 13"/>
+          <p:cNvSpPr txBox="1"/>
+          <p:nvPr/>
+        </p:nvSpPr>
+        <p:spPr>
+          <a:xfrm>
+            <a:off x="1490150" y="5296126"/>
+            <a:ext cx="2810898" cy="369332"/>
+          </a:xfrm>
+          <a:prstGeom prst="rect">
+            <a:avLst/>
+          </a:prstGeom>
+          <a:noFill/>
+        </p:spPr>
+        <p:txBody>
+          <a:bodyPr wrap="none" rtlCol="0">
+            <a:spAutoFit/>
+          </a:bodyPr>
+          <a:lstStyle/>
+          <a:p>
+            <a:r>
+              <a:rPr lang="en-US" dirty="0" smtClean="0"/>
+              <a:t>Mapping to numerical score</a:t>
+            </a:r>
+            <a:endParaRPr lang="en-US" dirty="0"/>
+          </a:p>
+        </p:txBody>
+      </p:sp>
+      <p:cxnSp>
+        <p:nvCxnSpPr>
+          <p:cNvPr id="18" name="Elbow Connector 17"/>
+          <p:cNvCxnSpPr>
+            <a:stCxn id="9" idx="2"/>
+          </p:cNvCxnSpPr>
+          <p:nvPr/>
+        </p:nvCxnSpPr>
+        <p:spPr>
+          <a:xfrm rot="16200000" flipH="1">
+            <a:off x="2673810" y="2836134"/>
+            <a:ext cx="899448" cy="3980387"/>
+          </a:xfrm>
+          <a:prstGeom prst="bentConnector2">
+            <a:avLst/>
+          </a:prstGeom>
+          <a:ln w="38100">
+            <a:tailEnd type="triangle"/>
+          </a:ln>
+        </p:spPr>
+        <p:style>
+          <a:lnRef idx="1">
+            <a:schemeClr val="accent1"/>
+          </a:lnRef>
+          <a:fillRef idx="0">
+            <a:schemeClr val="accent1"/>
+          </a:fillRef>
+          <a:effectRef idx="0">
+            <a:schemeClr val="accent1"/>
+          </a:effectRef>
+          <a:fontRef idx="minor">
+            <a:schemeClr val="tx1"/>
+          </a:fontRef>
+        </p:style>
+      </p:cxnSp>
+      <p:cxnSp>
+        <p:nvCxnSpPr>
+          <p:cNvPr id="20" name="Straight Connector 19"/>
+          <p:cNvCxnSpPr>
+            <a:stCxn id="13" idx="2"/>
+          </p:cNvCxnSpPr>
+          <p:nvPr/>
+        </p:nvCxnSpPr>
+        <p:spPr>
+          <a:xfrm>
+            <a:off x="4320863" y="4346520"/>
+            <a:ext cx="0" cy="929532"/>
+          </a:xfrm>
+          <a:prstGeom prst="line">
+            <a:avLst/>
+          </a:prstGeom>
+          <a:ln w="38100">
+            <a:headEnd type="none" w="med" len="med"/>
+            <a:tailEnd type="none" w="med" len="med"/>
+          </a:ln>
+        </p:spPr>
+        <p:style>
+          <a:lnRef idx="1">
+            <a:schemeClr val="accent1"/>
+          </a:lnRef>
+          <a:fillRef idx="0">
+            <a:schemeClr val="accent1"/>
+          </a:fillRef>
+          <a:effectRef idx="0">
+            <a:schemeClr val="accent1"/>
+          </a:effectRef>
+          <a:fontRef idx="minor">
+            <a:schemeClr val="tx1"/>
+          </a:fontRef>
+        </p:style>
+      </p:cxnSp>
+      <p:sp>
+        <p:nvSpPr>
+          <p:cNvPr id="24" name="TextBox 23"/>
+          <p:cNvSpPr txBox="1"/>
+          <p:nvPr/>
+        </p:nvSpPr>
+        <p:spPr>
+          <a:xfrm>
+            <a:off x="7520803" y="4746308"/>
+            <a:ext cx="1806457" cy="923330"/>
+          </a:xfrm>
+          <a:prstGeom prst="rect">
+            <a:avLst/>
+          </a:prstGeom>
+          <a:noFill/>
+        </p:spPr>
+        <p:txBody>
+          <a:bodyPr wrap="none" rtlCol="0">
+            <a:spAutoFit/>
+          </a:bodyPr>
+          <a:lstStyle/>
+          <a:p>
+            <a:pPr algn="ctr"/>
+            <a:r>
+              <a:rPr lang="en-US" dirty="0" smtClean="0"/>
+              <a:t>Calculate </a:t>
+            </a:r>
+          </a:p>
+          <a:p>
+            <a:pPr algn="ctr"/>
+            <a:endParaRPr lang="en-US" dirty="0"/>
+          </a:p>
+          <a:p>
+            <a:pPr algn="ctr"/>
+            <a:r>
+              <a:rPr lang="en-US" dirty="0" smtClean="0"/>
+              <a:t>Correlation </a:t>
+            </a:r>
+            <a:r>
+              <a:rPr lang="en-US" dirty="0"/>
+              <a:t>Score</a:t>
+            </a:r>
+          </a:p>
+        </p:txBody>
+      </p:sp>
+      <p:sp>
+        <p:nvSpPr>
+          <p:cNvPr id="25" name="Rounded Rectangle 24"/>
+          <p:cNvSpPr/>
+          <p:nvPr/>
+        </p:nvSpPr>
+        <p:spPr>
+          <a:xfrm>
+            <a:off x="5235060" y="4952883"/>
+            <a:ext cx="2208927" cy="568816"/>
+          </a:xfrm>
+          <a:prstGeom prst="roundRect">
+            <a:avLst/>
+          </a:prstGeom>
+          <a:noFill/>
+        </p:spPr>
+        <p:style>
+          <a:lnRef idx="2">
+            <a:schemeClr val="accent1">
+              <a:shade val="50000"/>
+            </a:schemeClr>
+          </a:lnRef>
+          <a:fillRef idx="1">
+            <a:schemeClr val="accent1"/>
+          </a:fillRef>
+          <a:effectRef idx="0">
+            <a:schemeClr val="accent1"/>
+          </a:effectRef>
+          <a:fontRef idx="minor">
+            <a:schemeClr val="lt1"/>
+          </a:fontRef>
+        </p:style>
+        <p:txBody>
+          <a:bodyPr rtlCol="0" anchor="ctr"/>
+          <a:lstStyle/>
+          <a:p>
+            <a:pPr algn="ctr"/>
+            <a:r>
+              <a:rPr lang="en-US" dirty="0" smtClean="0">
+                <a:solidFill>
+                  <a:schemeClr val="tx1"/>
+                </a:solidFill>
+              </a:rPr>
+              <a:t>Map: Numerical Score</a:t>
+            </a:r>
+          </a:p>
+        </p:txBody>
+      </p:sp>
+      <p:cxnSp>
+        <p:nvCxnSpPr>
+          <p:cNvPr id="26" name="Straight Arrow Connector 25"/>
+          <p:cNvCxnSpPr>
+            <a:endCxn id="13" idx="0"/>
+          </p:cNvCxnSpPr>
+          <p:nvPr/>
+        </p:nvCxnSpPr>
+        <p:spPr>
+          <a:xfrm>
+            <a:off x="4301048" y="2730323"/>
+            <a:ext cx="19815" cy="1047381"/>
+          </a:xfrm>
+          <a:prstGeom prst="straightConnector1">
+            <a:avLst/>
+          </a:prstGeom>
+          <a:ln w="38100">
+            <a:tailEnd type="triangle"/>
+          </a:ln>
+        </p:spPr>
+        <p:style>
+          <a:lnRef idx="1">
+            <a:schemeClr val="accent1"/>
+          </a:lnRef>
+          <a:fillRef idx="0">
+            <a:schemeClr val="accent1"/>
+          </a:fillRef>
+          <a:effectRef idx="0">
+            <a:schemeClr val="accent1"/>
+          </a:effectRef>
+          <a:fontRef idx="minor">
+            <a:schemeClr val="tx1"/>
+          </a:fontRef>
+        </p:style>
+      </p:cxnSp>
+      <p:sp>
+        <p:nvSpPr>
+          <p:cNvPr id="28" name="TextBox 27"/>
+          <p:cNvSpPr txBox="1"/>
+          <p:nvPr/>
+        </p:nvSpPr>
+        <p:spPr>
+          <a:xfrm>
+            <a:off x="4487599" y="2989910"/>
+            <a:ext cx="987835" cy="369332"/>
+          </a:xfrm>
+          <a:prstGeom prst="rect">
+            <a:avLst/>
+          </a:prstGeom>
+          <a:noFill/>
+        </p:spPr>
+        <p:txBody>
+          <a:bodyPr wrap="none" rtlCol="0">
+            <a:spAutoFit/>
+          </a:bodyPr>
+          <a:lstStyle/>
+          <a:p>
+            <a:r>
+              <a:rPr lang="en-US" dirty="0" smtClean="0"/>
+              <a:t>For each</a:t>
+            </a:r>
+            <a:endParaRPr lang="en-US" dirty="0"/>
+          </a:p>
+        </p:txBody>
+      </p:sp>
+      <p:sp>
+        <p:nvSpPr>
+          <p:cNvPr id="29" name="TextBox 28"/>
+          <p:cNvSpPr txBox="1"/>
+          <p:nvPr/>
+        </p:nvSpPr>
+        <p:spPr>
+          <a:xfrm>
+            <a:off x="5993774" y="3354814"/>
+            <a:ext cx="2884829" cy="369332"/>
+          </a:xfrm>
+          <a:prstGeom prst="rect">
+            <a:avLst/>
+          </a:prstGeom>
+          <a:noFill/>
+        </p:spPr>
+        <p:txBody>
+          <a:bodyPr wrap="none" rtlCol="0">
+            <a:spAutoFit/>
+          </a:bodyPr>
+          <a:lstStyle/>
+          <a:p>
+            <a:r>
+              <a:rPr lang="en-US" b="1" dirty="0" smtClean="0"/>
+              <a:t>Recommendation Algorithm</a:t>
+            </a:r>
+            <a:endParaRPr lang="en-US" b="1" dirty="0"/>
+          </a:p>
+        </p:txBody>
+      </p:sp>
+      <p:sp>
+        <p:nvSpPr>
+          <p:cNvPr id="30" name="Rounded Rectangle 29"/>
+          <p:cNvSpPr/>
+          <p:nvPr/>
+        </p:nvSpPr>
+        <p:spPr>
+          <a:xfrm>
+            <a:off x="9484283" y="4927246"/>
+            <a:ext cx="2208927" cy="568816"/>
+          </a:xfrm>
+          <a:prstGeom prst="roundRect">
+            <a:avLst/>
+          </a:prstGeom>
+          <a:noFill/>
+        </p:spPr>
+        <p:style>
+          <a:lnRef idx="2">
+            <a:schemeClr val="accent1">
+              <a:shade val="50000"/>
+            </a:schemeClr>
+          </a:lnRef>
+          <a:fillRef idx="1">
+            <a:schemeClr val="accent1"/>
+          </a:fillRef>
+          <a:effectRef idx="0">
+            <a:schemeClr val="accent1"/>
+          </a:effectRef>
+          <a:fontRef idx="minor">
+            <a:schemeClr val="lt1"/>
+          </a:fontRef>
+        </p:style>
+        <p:txBody>
+          <a:bodyPr rtlCol="0" anchor="ctr"/>
+          <a:lstStyle/>
+          <a:p>
+            <a:pPr algn="ctr"/>
+            <a:r>
+              <a:rPr lang="en-US" dirty="0" smtClean="0">
+                <a:solidFill>
+                  <a:schemeClr val="tx1"/>
+                </a:solidFill>
+              </a:rPr>
+              <a:t>Map: Result set</a:t>
+            </a:r>
+          </a:p>
+        </p:txBody>
+      </p:sp>
+      <p:cxnSp>
+        <p:nvCxnSpPr>
+          <p:cNvPr id="31" name="Straight Arrow Connector 30"/>
+          <p:cNvCxnSpPr>
+            <a:stCxn id="25" idx="3"/>
+            <a:endCxn id="24" idx="3"/>
+          </p:cNvCxnSpPr>
+          <p:nvPr/>
+        </p:nvCxnSpPr>
+        <p:spPr>
+          <a:xfrm flipV="1">
+            <a:off x="7443987" y="5207973"/>
+            <a:ext cx="1883273" cy="29318"/>
+          </a:xfrm>
+          <a:prstGeom prst="straightConnector1">
+            <a:avLst/>
+          </a:prstGeom>
+          <a:ln w="38100">
+            <a:tailEnd type="triangle"/>
+          </a:ln>
+        </p:spPr>
+        <p:style>
+          <a:lnRef idx="1">
+            <a:schemeClr val="accent1"/>
+          </a:lnRef>
+          <a:fillRef idx="0">
+            <a:schemeClr val="accent1"/>
+          </a:fillRef>
+          <a:effectRef idx="0">
+            <a:schemeClr val="accent1"/>
+          </a:effectRef>
+          <a:fontRef idx="minor">
+            <a:schemeClr val="tx1"/>
+          </a:fontRef>
+        </p:style>
+      </p:cxnSp>
+      <p:sp>
+        <p:nvSpPr>
+          <p:cNvPr id="34" name="Rounded Rectangle 33"/>
+          <p:cNvSpPr/>
+          <p:nvPr/>
+        </p:nvSpPr>
+        <p:spPr>
+          <a:xfrm>
+            <a:off x="9484283" y="2559066"/>
+            <a:ext cx="2253802" cy="513171"/>
+          </a:xfrm>
+          <a:prstGeom prst="roundRect">
+            <a:avLst/>
+          </a:prstGeom>
+          <a:noFill/>
+        </p:spPr>
+        <p:style>
+          <a:lnRef idx="2">
+            <a:schemeClr val="accent1">
+              <a:shade val="50000"/>
+            </a:schemeClr>
+          </a:lnRef>
+          <a:fillRef idx="1">
+            <a:schemeClr val="accent1"/>
+          </a:fillRef>
+          <a:effectRef idx="0">
+            <a:schemeClr val="accent1"/>
+          </a:effectRef>
+          <a:fontRef idx="minor">
+            <a:schemeClr val="lt1"/>
+          </a:fontRef>
+        </p:style>
+        <p:txBody>
+          <a:bodyPr rtlCol="0" anchor="ctr"/>
+          <a:lstStyle/>
+          <a:p>
+            <a:pPr algn="ctr"/>
+            <a:r>
+              <a:rPr lang="en-US" dirty="0">
+                <a:solidFill>
+                  <a:schemeClr val="tx1"/>
+                </a:solidFill>
+              </a:rPr>
+              <a:t>REDIS</a:t>
+            </a:r>
+          </a:p>
+        </p:txBody>
+      </p:sp>
+      <p:cxnSp>
+        <p:nvCxnSpPr>
+          <p:cNvPr id="36" name="Straight Arrow Connector 35"/>
+          <p:cNvCxnSpPr>
+            <a:stCxn id="30" idx="0"/>
+            <a:endCxn id="34" idx="2"/>
+          </p:cNvCxnSpPr>
+          <p:nvPr/>
+        </p:nvCxnSpPr>
+        <p:spPr>
+          <a:xfrm flipV="1">
+            <a:off x="10588747" y="3072237"/>
+            <a:ext cx="22437" cy="1855009"/>
+          </a:xfrm>
+          <a:prstGeom prst="straightConnector1">
+            <a:avLst/>
+          </a:prstGeom>
+          <a:ln w="38100">
+            <a:tailEnd type="triangle"/>
+          </a:ln>
+        </p:spPr>
+        <p:style>
+          <a:lnRef idx="1">
+            <a:schemeClr val="accent1"/>
+          </a:lnRef>
+          <a:fillRef idx="0">
+            <a:schemeClr val="accent1"/>
+          </a:fillRef>
+          <a:effectRef idx="0">
+            <a:schemeClr val="accent1"/>
+          </a:effectRef>
+          <a:fontRef idx="minor">
+            <a:schemeClr val="tx1"/>
+          </a:fontRef>
+        </p:style>
+      </p:cxnSp>
+      <p:sp>
+        <p:nvSpPr>
+          <p:cNvPr id="37" name="TextBox 36"/>
+          <p:cNvSpPr txBox="1"/>
+          <p:nvPr/>
+        </p:nvSpPr>
+        <p:spPr>
+          <a:xfrm>
+            <a:off x="10680717" y="3772840"/>
+            <a:ext cx="636713" cy="369332"/>
+          </a:xfrm>
+          <a:prstGeom prst="rect">
+            <a:avLst/>
+          </a:prstGeom>
+          <a:noFill/>
+        </p:spPr>
+        <p:txBody>
+          <a:bodyPr wrap="none" rtlCol="0">
+            <a:spAutoFit/>
+          </a:bodyPr>
+          <a:lstStyle/>
+          <a:p>
+            <a:r>
+              <a:rPr lang="en-US" dirty="0" smtClean="0"/>
+              <a:t>Push</a:t>
+            </a:r>
+            <a:endParaRPr lang="en-US" dirty="0"/>
+          </a:p>
+        </p:txBody>
+      </p:sp>
+      <p:sp>
+        <p:nvSpPr>
+          <p:cNvPr id="42" name="Down Arrow 41"/>
+          <p:cNvSpPr/>
+          <p:nvPr/>
+        </p:nvSpPr>
+        <p:spPr>
+          <a:xfrm>
+            <a:off x="296214" y="3174576"/>
+            <a:ext cx="618186" cy="431509"/>
+          </a:xfrm>
+          <a:prstGeom prst="downArrow">
+            <a:avLst/>
+          </a:prstGeom>
+        </p:spPr>
+        <p:style>
+          <a:lnRef idx="2">
+            <a:schemeClr val="accent1">
+              <a:shade val="50000"/>
+            </a:schemeClr>
+          </a:lnRef>
+          <a:fillRef idx="1">
+            <a:schemeClr val="accent1"/>
+          </a:fillRef>
+          <a:effectRef idx="0">
+            <a:schemeClr val="accent1"/>
+          </a:effectRef>
+          <a:fontRef idx="minor">
+            <a:schemeClr val="lt1"/>
+          </a:fontRef>
+        </p:style>
+        <p:txBody>
+          <a:bodyPr rtlCol="0" anchor="ctr"/>
+          <a:lstStyle/>
+          <a:p>
+            <a:pPr algn="ctr"/>
+            <a:endParaRPr lang="en-US"/>
+          </a:p>
+        </p:txBody>
+      </p:sp>
+      <p:sp>
+        <p:nvSpPr>
+          <p:cNvPr id="43" name="TextBox 42"/>
+          <p:cNvSpPr txBox="1"/>
+          <p:nvPr/>
+        </p:nvSpPr>
+        <p:spPr>
+          <a:xfrm>
+            <a:off x="287416" y="2677390"/>
+            <a:ext cx="684803" cy="369332"/>
+          </a:xfrm>
+          <a:prstGeom prst="rect">
+            <a:avLst/>
+          </a:prstGeom>
+          <a:noFill/>
+        </p:spPr>
+        <p:txBody>
+          <a:bodyPr wrap="none" rtlCol="0">
+            <a:spAutoFit/>
+          </a:bodyPr>
+          <a:lstStyle/>
+          <a:p>
+            <a:r>
+              <a:rPr lang="en-US" dirty="0" smtClean="0"/>
+              <a:t>Input</a:t>
+            </a:r>
+            <a:endParaRPr lang="en-US" dirty="0"/>
+          </a:p>
+        </p:txBody>
+      </p:sp>
+      <p:sp>
+        <p:nvSpPr>
+          <p:cNvPr id="44" name="Rounded Rectangle 43"/>
+          <p:cNvSpPr/>
+          <p:nvPr/>
+        </p:nvSpPr>
+        <p:spPr>
+          <a:xfrm>
+            <a:off x="9484283" y="240674"/>
+            <a:ext cx="2253802" cy="1055097"/>
+          </a:xfrm>
+          <a:prstGeom prst="roundRect">
+            <a:avLst/>
+          </a:prstGeom>
+          <a:noFill/>
+        </p:spPr>
+        <p:style>
+          <a:lnRef idx="2">
+            <a:schemeClr val="accent1">
+              <a:shade val="50000"/>
+            </a:schemeClr>
+          </a:lnRef>
+          <a:fillRef idx="1">
+            <a:schemeClr val="accent1"/>
+          </a:fillRef>
+          <a:effectRef idx="0">
+            <a:schemeClr val="accent1"/>
+          </a:effectRef>
+          <a:fontRef idx="minor">
+            <a:schemeClr val="lt1"/>
+          </a:fontRef>
+        </p:style>
+        <p:txBody>
+          <a:bodyPr rtlCol="0" anchor="ctr"/>
+          <a:lstStyle/>
+          <a:p>
+            <a:pPr algn="ctr"/>
+            <a:r>
+              <a:rPr lang="en-US" dirty="0" smtClean="0">
+                <a:solidFill>
+                  <a:schemeClr val="tx1"/>
+                </a:solidFill>
+              </a:rPr>
+              <a:t>Web Service</a:t>
+            </a:r>
+            <a:endParaRPr lang="en-US" dirty="0">
+              <a:solidFill>
+                <a:schemeClr val="tx1"/>
+              </a:solidFill>
+            </a:endParaRPr>
+          </a:p>
+        </p:txBody>
+      </p:sp>
+      <p:sp>
+        <p:nvSpPr>
+          <p:cNvPr id="45" name="Rounded Rectangle 44"/>
+          <p:cNvSpPr/>
+          <p:nvPr/>
+        </p:nvSpPr>
+        <p:spPr>
+          <a:xfrm>
+            <a:off x="5775672" y="240674"/>
+            <a:ext cx="2253802" cy="1055097"/>
+          </a:xfrm>
+          <a:prstGeom prst="roundRect">
+            <a:avLst/>
+          </a:prstGeom>
+          <a:noFill/>
+        </p:spPr>
+        <p:style>
+          <a:lnRef idx="2">
+            <a:schemeClr val="accent1">
+              <a:shade val="50000"/>
+            </a:schemeClr>
+          </a:lnRef>
+          <a:fillRef idx="1">
+            <a:schemeClr val="accent1"/>
+          </a:fillRef>
+          <a:effectRef idx="0">
+            <a:schemeClr val="accent1"/>
+          </a:effectRef>
+          <a:fontRef idx="minor">
+            <a:schemeClr val="lt1"/>
+          </a:fontRef>
+        </p:style>
+        <p:txBody>
+          <a:bodyPr rtlCol="0" anchor="ctr"/>
+          <a:lstStyle/>
+          <a:p>
+            <a:pPr algn="ctr"/>
+            <a:r>
+              <a:rPr lang="en-US" dirty="0" smtClean="0">
+                <a:solidFill>
+                  <a:schemeClr val="tx1"/>
+                </a:solidFill>
+              </a:rPr>
+              <a:t>Mobile Application</a:t>
+            </a:r>
+            <a:endParaRPr lang="en-US" dirty="0">
+              <a:solidFill>
+                <a:schemeClr val="tx1"/>
+              </a:solidFill>
+            </a:endParaRPr>
+          </a:p>
+        </p:txBody>
+      </p:sp>
+      <p:cxnSp>
+        <p:nvCxnSpPr>
+          <p:cNvPr id="46" name="Straight Arrow Connector 45"/>
+          <p:cNvCxnSpPr>
+            <a:stCxn id="44" idx="2"/>
+            <a:endCxn id="34" idx="0"/>
+          </p:cNvCxnSpPr>
+          <p:nvPr/>
+        </p:nvCxnSpPr>
+        <p:spPr>
+          <a:xfrm>
+            <a:off x="10611184" y="1295771"/>
+            <a:ext cx="0" cy="1263295"/>
+          </a:xfrm>
+          <a:prstGeom prst="straightConnector1">
+            <a:avLst/>
+          </a:prstGeom>
+          <a:ln w="38100">
+            <a:tailEnd type="triangle"/>
+          </a:ln>
+        </p:spPr>
+        <p:style>
+          <a:lnRef idx="1">
+            <a:schemeClr val="accent1"/>
+          </a:lnRef>
+          <a:fillRef idx="0">
+            <a:schemeClr val="accent1"/>
+          </a:fillRef>
+          <a:effectRef idx="0">
+            <a:schemeClr val="accent1"/>
+          </a:effectRef>
+          <a:fontRef idx="minor">
+            <a:schemeClr val="tx1"/>
+          </a:fontRef>
+        </p:style>
+      </p:cxnSp>
+      <p:sp>
+        <p:nvSpPr>
+          <p:cNvPr id="49" name="TextBox 48"/>
+          <p:cNvSpPr txBox="1"/>
+          <p:nvPr/>
+        </p:nvSpPr>
+        <p:spPr>
+          <a:xfrm>
+            <a:off x="10611184" y="1691681"/>
+            <a:ext cx="989630" cy="369332"/>
+          </a:xfrm>
+          <a:prstGeom prst="rect">
+            <a:avLst/>
+          </a:prstGeom>
+          <a:noFill/>
+        </p:spPr>
+        <p:txBody>
+          <a:bodyPr wrap="none" rtlCol="0">
+            <a:spAutoFit/>
+          </a:bodyPr>
+          <a:lstStyle/>
+          <a:p>
+            <a:r>
+              <a:rPr lang="en-US" dirty="0" smtClean="0"/>
+              <a:t>Get data</a:t>
+            </a:r>
+            <a:endParaRPr lang="en-US" dirty="0"/>
+          </a:p>
+        </p:txBody>
+      </p:sp>
+      <p:sp>
+        <p:nvSpPr>
+          <p:cNvPr id="50" name="TextBox 49"/>
+          <p:cNvSpPr txBox="1"/>
+          <p:nvPr/>
+        </p:nvSpPr>
+        <p:spPr>
+          <a:xfrm>
+            <a:off x="8262063" y="240674"/>
+            <a:ext cx="944297" cy="369332"/>
+          </a:xfrm>
+          <a:prstGeom prst="rect">
+            <a:avLst/>
+          </a:prstGeom>
+          <a:noFill/>
+        </p:spPr>
+        <p:txBody>
+          <a:bodyPr wrap="none" rtlCol="0">
+            <a:spAutoFit/>
+          </a:bodyPr>
+          <a:lstStyle/>
+          <a:p>
+            <a:r>
+              <a:rPr lang="en-US" dirty="0" smtClean="0"/>
+              <a:t>Request</a:t>
+            </a:r>
+            <a:endParaRPr lang="en-US" dirty="0"/>
+          </a:p>
+        </p:txBody>
+      </p:sp>
+      <p:sp>
+        <p:nvSpPr>
+          <p:cNvPr id="51" name="TextBox 50"/>
+          <p:cNvSpPr txBox="1"/>
+          <p:nvPr/>
+        </p:nvSpPr>
+        <p:spPr>
+          <a:xfrm>
+            <a:off x="8262063" y="958276"/>
+            <a:ext cx="1081515" cy="369332"/>
+          </a:xfrm>
+          <a:prstGeom prst="rect">
+            <a:avLst/>
+          </a:prstGeom>
+          <a:noFill/>
+        </p:spPr>
+        <p:txBody>
+          <a:bodyPr wrap="none" rtlCol="0">
+            <a:spAutoFit/>
+          </a:bodyPr>
+          <a:lstStyle/>
+          <a:p>
+            <a:r>
+              <a:rPr lang="en-US" dirty="0" smtClean="0"/>
+              <a:t>Response</a:t>
+            </a:r>
+            <a:endParaRPr lang="en-US" dirty="0"/>
+          </a:p>
+        </p:txBody>
+      </p:sp>
+      <p:cxnSp>
+        <p:nvCxnSpPr>
+          <p:cNvPr id="55" name="Straight Arrow Connector 54"/>
+          <p:cNvCxnSpPr/>
+          <p:nvPr/>
+        </p:nvCxnSpPr>
+        <p:spPr>
+          <a:xfrm>
+            <a:off x="8029474" y="610006"/>
+            <a:ext cx="1454809" cy="0"/>
+          </a:xfrm>
+          <a:prstGeom prst="straightConnector1">
+            <a:avLst/>
+          </a:prstGeom>
+          <a:ln w="38100">
+            <a:tailEnd type="triangle"/>
+          </a:ln>
+        </p:spPr>
+        <p:style>
+          <a:lnRef idx="1">
+            <a:schemeClr val="accent1"/>
+          </a:lnRef>
+          <a:fillRef idx="0">
+            <a:schemeClr val="accent1"/>
+          </a:fillRef>
+          <a:effectRef idx="0">
+            <a:schemeClr val="accent1"/>
+          </a:effectRef>
+          <a:fontRef idx="minor">
+            <a:schemeClr val="tx1"/>
+          </a:fontRef>
+        </p:style>
+      </p:cxnSp>
+      <p:cxnSp>
+        <p:nvCxnSpPr>
+          <p:cNvPr id="57" name="Straight Arrow Connector 56"/>
+          <p:cNvCxnSpPr/>
+          <p:nvPr/>
+        </p:nvCxnSpPr>
+        <p:spPr>
+          <a:xfrm flipH="1">
+            <a:off x="8029474" y="958276"/>
+            <a:ext cx="1454809" cy="0"/>
+          </a:xfrm>
+          <a:prstGeom prst="straightConnector1">
+            <a:avLst/>
+          </a:prstGeom>
+          <a:ln w="38100">
+            <a:tailEnd type="triangle"/>
+          </a:ln>
+        </p:spPr>
+        <p:style>
+          <a:lnRef idx="1">
+            <a:schemeClr val="accent1"/>
+          </a:lnRef>
+          <a:fillRef idx="0">
+            <a:schemeClr val="accent1"/>
+          </a:fillRef>
+          <a:effectRef idx="0">
+            <a:schemeClr val="accent1"/>
+          </a:effectRef>
+          <a:fontRef idx="minor">
+            <a:schemeClr val="tx1"/>
+          </a:fontRef>
+        </p:style>
+      </p:cxnSp>
+    </p:spTree>
+    <p:extLst>
+      <p:ext uri="{BB962C8B-B14F-4D97-AF65-F5344CB8AC3E}">
+        <p14:creationId xmlns:p14="http://schemas.microsoft.com/office/powerpoint/2010/main" val="3751452737"/>
+      </p:ext>
+    </p:extLst>
+  </p:cSld>
+  <p:clrMapOvr>
+    <a:masterClrMapping/>
+  </p:clrMapOvr>
+</p:sld>
+</file>
+
 <file path=ppt/theme/theme1.xml><?xml version="1.0" encoding="utf-8"?>
 <a:theme xmlns:a="http://schemas.openxmlformats.org/drawingml/2006/main" name="Office Theme">
   <a:themeElements>
